--- a/4주차 파일 및 디렉터리 관리.pptx
+++ b/4주차 파일 및 디렉터리 관리.pptx
@@ -291,7 +291,7 @@
               <a:pPr lvl="0">
                 <a:defRPr/>
               </a:pPr>
-              <a:t>2023-03-23</a:t>
+              <a:t>2023-03-30</a:t>
             </a:fld>
             <a:endParaRPr lang="ko-KR" altLang="en-US"/>
           </a:p>
@@ -1425,7 +1425,7 @@
           <a:p>
             <a:fld id="{D5717829-DB19-49A2-A366-DF7E7C0A17C2}" type="datetimeFigureOut">
               <a:rPr lang="ko-KR" altLang="en-US" smtClean="0"/>
-              <a:t>2023-03-23</a:t>
+              <a:t>2023-03-30</a:t>
             </a:fld>
             <a:endParaRPr lang="ko-KR" altLang="en-US"/>
           </a:p>
@@ -1593,7 +1593,7 @@
           <a:p>
             <a:fld id="{D5717829-DB19-49A2-A366-DF7E7C0A17C2}" type="datetimeFigureOut">
               <a:rPr lang="ko-KR" altLang="en-US" smtClean="0"/>
-              <a:t>2023-03-23</a:t>
+              <a:t>2023-03-30</a:t>
             </a:fld>
             <a:endParaRPr lang="ko-KR" altLang="en-US"/>
           </a:p>
@@ -1771,7 +1771,7 @@
           <a:p>
             <a:fld id="{D5717829-DB19-49A2-A366-DF7E7C0A17C2}" type="datetimeFigureOut">
               <a:rPr lang="ko-KR" altLang="en-US" smtClean="0"/>
-              <a:t>2023-03-23</a:t>
+              <a:t>2023-03-30</a:t>
             </a:fld>
             <a:endParaRPr lang="ko-KR" altLang="en-US"/>
           </a:p>
@@ -1939,7 +1939,7 @@
           <a:p>
             <a:fld id="{D5717829-DB19-49A2-A366-DF7E7C0A17C2}" type="datetimeFigureOut">
               <a:rPr lang="ko-KR" altLang="en-US" smtClean="0"/>
-              <a:t>2023-03-23</a:t>
+              <a:t>2023-03-30</a:t>
             </a:fld>
             <a:endParaRPr lang="ko-KR" altLang="en-US"/>
           </a:p>
@@ -2184,7 +2184,7 @@
           <a:p>
             <a:fld id="{D5717829-DB19-49A2-A366-DF7E7C0A17C2}" type="datetimeFigureOut">
               <a:rPr lang="ko-KR" altLang="en-US" smtClean="0"/>
-              <a:t>2023-03-23</a:t>
+              <a:t>2023-03-30</a:t>
             </a:fld>
             <a:endParaRPr lang="ko-KR" altLang="en-US"/>
           </a:p>
@@ -2413,7 +2413,7 @@
           <a:p>
             <a:fld id="{D5717829-DB19-49A2-A366-DF7E7C0A17C2}" type="datetimeFigureOut">
               <a:rPr lang="ko-KR" altLang="en-US" smtClean="0"/>
-              <a:t>2023-03-23</a:t>
+              <a:t>2023-03-30</a:t>
             </a:fld>
             <a:endParaRPr lang="ko-KR" altLang="en-US"/>
           </a:p>
@@ -2777,7 +2777,7 @@
           <a:p>
             <a:fld id="{D5717829-DB19-49A2-A366-DF7E7C0A17C2}" type="datetimeFigureOut">
               <a:rPr lang="ko-KR" altLang="en-US" smtClean="0"/>
-              <a:t>2023-03-23</a:t>
+              <a:t>2023-03-30</a:t>
             </a:fld>
             <a:endParaRPr lang="ko-KR" altLang="en-US"/>
           </a:p>
@@ -2894,7 +2894,7 @@
           <a:p>
             <a:fld id="{D5717829-DB19-49A2-A366-DF7E7C0A17C2}" type="datetimeFigureOut">
               <a:rPr lang="ko-KR" altLang="en-US" smtClean="0"/>
-              <a:t>2023-03-23</a:t>
+              <a:t>2023-03-30</a:t>
             </a:fld>
             <a:endParaRPr lang="ko-KR" altLang="en-US"/>
           </a:p>
@@ -2989,7 +2989,7 @@
           <a:p>
             <a:fld id="{D5717829-DB19-49A2-A366-DF7E7C0A17C2}" type="datetimeFigureOut">
               <a:rPr lang="ko-KR" altLang="en-US" smtClean="0"/>
-              <a:t>2023-03-23</a:t>
+              <a:t>2023-03-30</a:t>
             </a:fld>
             <a:endParaRPr lang="ko-KR" altLang="en-US"/>
           </a:p>
@@ -3264,7 +3264,7 @@
           <a:p>
             <a:fld id="{D5717829-DB19-49A2-A366-DF7E7C0A17C2}" type="datetimeFigureOut">
               <a:rPr lang="ko-KR" altLang="en-US" smtClean="0"/>
-              <a:t>2023-03-23</a:t>
+              <a:t>2023-03-30</a:t>
             </a:fld>
             <a:endParaRPr lang="ko-KR" altLang="en-US"/>
           </a:p>
@@ -3516,7 +3516,7 @@
           <a:p>
             <a:fld id="{D5717829-DB19-49A2-A366-DF7E7C0A17C2}" type="datetimeFigureOut">
               <a:rPr lang="ko-KR" altLang="en-US" smtClean="0"/>
-              <a:t>2023-03-23</a:t>
+              <a:t>2023-03-30</a:t>
             </a:fld>
             <a:endParaRPr lang="ko-KR" altLang="en-US"/>
           </a:p>
@@ -3727,7 +3727,7 @@
           <a:p>
             <a:fld id="{D5717829-DB19-49A2-A366-DF7E7C0A17C2}" type="datetimeFigureOut">
               <a:rPr lang="ko-KR" altLang="en-US" smtClean="0"/>
-              <a:t>2023-03-23</a:t>
+              <a:t>2023-03-30</a:t>
             </a:fld>
             <a:endParaRPr lang="ko-KR" altLang="en-US"/>
           </a:p>
@@ -4165,6 +4165,10 @@
               <a:rPr lang="ko-KR" altLang="en-US" dirty="0"/>
               <a:t>주차 </a:t>
             </a:r>
+            <a:r>
+              <a:rPr lang="en-US" altLang="ko-KR" dirty="0"/>
+              <a:t/>
+            </a:r>
             <a:br>
               <a:rPr lang="en-US" altLang="ko-KR" dirty="0"/>
             </a:br>
@@ -4297,7 +4301,7 @@
     <mc:Choice Requires="p14">
       <p:transition/>
     </mc:Choice>
-    <mc:Fallback xmlns="" xmlns:c="http://schemas.openxmlformats.org/drawingml/2006/chart" xmlns:dgm="http://schemas.openxmlformats.org/drawingml/2006/diagram" xmlns:dsp="http://schemas.microsoft.com/office/drawing/2008/diagram">
+    <mc:Fallback xmlns:dsp="http://schemas.microsoft.com/office/drawing/2008/diagram" xmlns:dgm="http://schemas.openxmlformats.org/drawingml/2006/diagram" xmlns:c="http://schemas.openxmlformats.org/drawingml/2006/chart" xmlns="">
       <p:transition/>
     </mc:Fallback>
   </mc:AlternateContent>
@@ -4891,7 +4895,7 @@
     <mc:Choice Requires="p14">
       <p:transition/>
     </mc:Choice>
-    <mc:Fallback xmlns="" xmlns:c="http://schemas.openxmlformats.org/drawingml/2006/chart" xmlns:dgm="http://schemas.openxmlformats.org/drawingml/2006/diagram" xmlns:dsp="http://schemas.microsoft.com/office/drawing/2008/diagram">
+    <mc:Fallback xmlns:dsp="http://schemas.microsoft.com/office/drawing/2008/diagram" xmlns:dgm="http://schemas.openxmlformats.org/drawingml/2006/diagram" xmlns:c="http://schemas.openxmlformats.org/drawingml/2006/chart" xmlns="">
       <p:transition/>
     </mc:Fallback>
   </mc:AlternateContent>
@@ -5497,7 +5501,7 @@
     <mc:Choice Requires="p14">
       <p:transition/>
     </mc:Choice>
-    <mc:Fallback xmlns="" xmlns:c="http://schemas.openxmlformats.org/drawingml/2006/chart" xmlns:dgm="http://schemas.openxmlformats.org/drawingml/2006/diagram" xmlns:dsp="http://schemas.microsoft.com/office/drawing/2008/diagram">
+    <mc:Fallback xmlns:dsp="http://schemas.microsoft.com/office/drawing/2008/diagram" xmlns:dgm="http://schemas.openxmlformats.org/drawingml/2006/diagram" xmlns:c="http://schemas.openxmlformats.org/drawingml/2006/chart" xmlns="">
       <p:transition/>
     </mc:Fallback>
   </mc:AlternateContent>
@@ -6118,7 +6122,7 @@
     <mc:Choice Requires="p14">
       <p:transition/>
     </mc:Choice>
-    <mc:Fallback xmlns="" xmlns:c="http://schemas.openxmlformats.org/drawingml/2006/chart" xmlns:dgm="http://schemas.openxmlformats.org/drawingml/2006/diagram" xmlns:dsp="http://schemas.microsoft.com/office/drawing/2008/diagram">
+    <mc:Fallback xmlns:dsp="http://schemas.microsoft.com/office/drawing/2008/diagram" xmlns:dgm="http://schemas.openxmlformats.org/drawingml/2006/diagram" xmlns:c="http://schemas.openxmlformats.org/drawingml/2006/chart" xmlns="">
       <p:transition/>
     </mc:Fallback>
   </mc:AlternateContent>
@@ -6838,7 +6842,7 @@
     <mc:Choice Requires="p14">
       <p:transition/>
     </mc:Choice>
-    <mc:Fallback xmlns="" xmlns:c="http://schemas.openxmlformats.org/drawingml/2006/chart" xmlns:dgm="http://schemas.openxmlformats.org/drawingml/2006/diagram" xmlns:dsp="http://schemas.microsoft.com/office/drawing/2008/diagram">
+    <mc:Fallback xmlns:dsp="http://schemas.microsoft.com/office/drawing/2008/diagram" xmlns:dgm="http://schemas.openxmlformats.org/drawingml/2006/diagram" xmlns:c="http://schemas.openxmlformats.org/drawingml/2006/chart" xmlns="">
       <p:transition/>
     </mc:Fallback>
   </mc:AlternateContent>
@@ -7598,7 +7602,7 @@
     <mc:Choice Requires="p14">
       <p:transition/>
     </mc:Choice>
-    <mc:Fallback xmlns="" xmlns:c="http://schemas.openxmlformats.org/drawingml/2006/chart" xmlns:dgm="http://schemas.openxmlformats.org/drawingml/2006/diagram" xmlns:dsp="http://schemas.microsoft.com/office/drawing/2008/diagram">
+    <mc:Fallback xmlns:dsp="http://schemas.microsoft.com/office/drawing/2008/diagram" xmlns:dgm="http://schemas.openxmlformats.org/drawingml/2006/diagram" xmlns:c="http://schemas.openxmlformats.org/drawingml/2006/chart" xmlns="">
       <p:transition/>
     </mc:Fallback>
   </mc:AlternateContent>
@@ -7839,7 +7843,7 @@
     <mc:Choice Requires="p14">
       <p:transition/>
     </mc:Choice>
-    <mc:Fallback xmlns="" xmlns:c="http://schemas.openxmlformats.org/drawingml/2006/chart" xmlns:dgm="http://schemas.openxmlformats.org/drawingml/2006/diagram" xmlns:dsp="http://schemas.microsoft.com/office/drawing/2008/diagram">
+    <mc:Fallback xmlns:dsp="http://schemas.microsoft.com/office/drawing/2008/diagram" xmlns:dgm="http://schemas.openxmlformats.org/drawingml/2006/diagram" xmlns:c="http://schemas.openxmlformats.org/drawingml/2006/chart" xmlns="">
       <p:transition/>
     </mc:Fallback>
   </mc:AlternateContent>
@@ -8599,7 +8603,7 @@
     <mc:Choice Requires="p14">
       <p:transition/>
     </mc:Choice>
-    <mc:Fallback xmlns="" xmlns:c="http://schemas.openxmlformats.org/drawingml/2006/chart" xmlns:dgm="http://schemas.openxmlformats.org/drawingml/2006/diagram" xmlns:dsp="http://schemas.microsoft.com/office/drawing/2008/diagram">
+    <mc:Fallback xmlns:dsp="http://schemas.microsoft.com/office/drawing/2008/diagram" xmlns:dgm="http://schemas.openxmlformats.org/drawingml/2006/diagram" xmlns:c="http://schemas.openxmlformats.org/drawingml/2006/chart" xmlns="">
       <p:transition/>
     </mc:Fallback>
   </mc:AlternateContent>
@@ -9483,7 +9487,7 @@
     <mc:Choice Requires="p14">
       <p:transition/>
     </mc:Choice>
-    <mc:Fallback xmlns="" xmlns:c="http://schemas.openxmlformats.org/drawingml/2006/chart" xmlns:dgm="http://schemas.openxmlformats.org/drawingml/2006/diagram" xmlns:dsp="http://schemas.microsoft.com/office/drawing/2008/diagram">
+    <mc:Fallback xmlns:dsp="http://schemas.microsoft.com/office/drawing/2008/diagram" xmlns:dgm="http://schemas.openxmlformats.org/drawingml/2006/diagram" xmlns:c="http://schemas.openxmlformats.org/drawingml/2006/chart" xmlns="">
       <p:transition/>
     </mc:Fallback>
   </mc:AlternateContent>
@@ -9964,7 +9968,7 @@
     <mc:Choice Requires="p14">
       <p:transition/>
     </mc:Choice>
-    <mc:Fallback xmlns="" xmlns:c="http://schemas.openxmlformats.org/drawingml/2006/chart" xmlns:dgm="http://schemas.openxmlformats.org/drawingml/2006/diagram" xmlns:dsp="http://schemas.microsoft.com/office/drawing/2008/diagram">
+    <mc:Fallback xmlns:dsp="http://schemas.microsoft.com/office/drawing/2008/diagram" xmlns:dgm="http://schemas.openxmlformats.org/drawingml/2006/diagram" xmlns:c="http://schemas.openxmlformats.org/drawingml/2006/chart" xmlns="">
       <p:transition/>
     </mc:Fallback>
   </mc:AlternateContent>
@@ -10540,7 +10544,7 @@
     <mc:Choice Requires="p14">
       <p:transition/>
     </mc:Choice>
-    <mc:Fallback xmlns="" xmlns:c="http://schemas.openxmlformats.org/drawingml/2006/chart" xmlns:dgm="http://schemas.openxmlformats.org/drawingml/2006/diagram" xmlns:dsp="http://schemas.microsoft.com/office/drawing/2008/diagram">
+    <mc:Fallback xmlns:dsp="http://schemas.microsoft.com/office/drawing/2008/diagram" xmlns:dgm="http://schemas.openxmlformats.org/drawingml/2006/diagram" xmlns:c="http://schemas.openxmlformats.org/drawingml/2006/chart" xmlns="">
       <p:transition/>
     </mc:Fallback>
   </mc:AlternateContent>
@@ -10824,7 +10828,7 @@
     <mc:Choice Requires="p14">
       <p:transition/>
     </mc:Choice>
-    <mc:Fallback xmlns="" xmlns:c="http://schemas.openxmlformats.org/drawingml/2006/chart" xmlns:dgm="http://schemas.openxmlformats.org/drawingml/2006/diagram" xmlns:dsp="http://schemas.microsoft.com/office/drawing/2008/diagram">
+    <mc:Fallback xmlns:dsp="http://schemas.microsoft.com/office/drawing/2008/diagram" xmlns:dgm="http://schemas.openxmlformats.org/drawingml/2006/diagram" xmlns:c="http://schemas.openxmlformats.org/drawingml/2006/chart" xmlns="">
       <p:transition/>
     </mc:Fallback>
   </mc:AlternateContent>
@@ -11331,7 +11335,7 @@
     <mc:Choice Requires="p14">
       <p:transition/>
     </mc:Choice>
-    <mc:Fallback xmlns="" xmlns:c="http://schemas.openxmlformats.org/drawingml/2006/chart" xmlns:dgm="http://schemas.openxmlformats.org/drawingml/2006/diagram" xmlns:dsp="http://schemas.microsoft.com/office/drawing/2008/diagram">
+    <mc:Fallback xmlns:dsp="http://schemas.microsoft.com/office/drawing/2008/diagram" xmlns:dgm="http://schemas.openxmlformats.org/drawingml/2006/diagram" xmlns:c="http://schemas.openxmlformats.org/drawingml/2006/chart" xmlns="">
       <p:transition/>
     </mc:Fallback>
   </mc:AlternateContent>
@@ -12220,7 +12224,7 @@
     <mc:Choice Requires="p14">
       <p:transition/>
     </mc:Choice>
-    <mc:Fallback xmlns="" xmlns:c="http://schemas.openxmlformats.org/drawingml/2006/chart" xmlns:dgm="http://schemas.openxmlformats.org/drawingml/2006/diagram" xmlns:dsp="http://schemas.microsoft.com/office/drawing/2008/diagram">
+    <mc:Fallback xmlns:dsp="http://schemas.microsoft.com/office/drawing/2008/diagram" xmlns:dgm="http://schemas.openxmlformats.org/drawingml/2006/diagram" xmlns:c="http://schemas.openxmlformats.org/drawingml/2006/chart" xmlns="">
       <p:transition/>
     </mc:Fallback>
   </mc:AlternateContent>
@@ -12939,7 +12943,7 @@
     <mc:Choice Requires="p14">
       <p:transition/>
     </mc:Choice>
-    <mc:Fallback xmlns="" xmlns:c="http://schemas.openxmlformats.org/drawingml/2006/chart" xmlns:dgm="http://schemas.openxmlformats.org/drawingml/2006/diagram" xmlns:dsp="http://schemas.microsoft.com/office/drawing/2008/diagram">
+    <mc:Fallback xmlns:dsp="http://schemas.microsoft.com/office/drawing/2008/diagram" xmlns:dgm="http://schemas.openxmlformats.org/drawingml/2006/diagram" xmlns:c="http://schemas.openxmlformats.org/drawingml/2006/chart" xmlns="">
       <p:transition/>
     </mc:Fallback>
   </mc:AlternateContent>
@@ -13602,7 +13606,7 @@
     <mc:Choice Requires="p14">
       <p:transition/>
     </mc:Choice>
-    <mc:Fallback xmlns="" xmlns:c="http://schemas.openxmlformats.org/drawingml/2006/chart" xmlns:dgm="http://schemas.openxmlformats.org/drawingml/2006/diagram" xmlns:dsp="http://schemas.microsoft.com/office/drawing/2008/diagram">
+    <mc:Fallback xmlns:dsp="http://schemas.microsoft.com/office/drawing/2008/diagram" xmlns:dgm="http://schemas.openxmlformats.org/drawingml/2006/diagram" xmlns:c="http://schemas.openxmlformats.org/drawingml/2006/chart" xmlns="">
       <p:transition/>
     </mc:Fallback>
   </mc:AlternateContent>
@@ -14286,7 +14290,7 @@
     <mc:Choice Requires="p14">
       <p:transition/>
     </mc:Choice>
-    <mc:Fallback xmlns="" xmlns:c="http://schemas.openxmlformats.org/drawingml/2006/chart" xmlns:dgm="http://schemas.openxmlformats.org/drawingml/2006/diagram" xmlns:dsp="http://schemas.microsoft.com/office/drawing/2008/diagram">
+    <mc:Fallback xmlns:dsp="http://schemas.microsoft.com/office/drawing/2008/diagram" xmlns:dgm="http://schemas.openxmlformats.org/drawingml/2006/diagram" xmlns:c="http://schemas.openxmlformats.org/drawingml/2006/chart" xmlns="">
       <p:transition/>
     </mc:Fallback>
   </mc:AlternateContent>
@@ -14720,7 +14724,7 @@
     <mc:Choice Requires="p14">
       <p:transition/>
     </mc:Choice>
-    <mc:Fallback xmlns="" xmlns:c="http://schemas.openxmlformats.org/drawingml/2006/chart" xmlns:dgm="http://schemas.openxmlformats.org/drawingml/2006/diagram" xmlns:dsp="http://schemas.microsoft.com/office/drawing/2008/diagram">
+    <mc:Fallback xmlns:dsp="http://schemas.microsoft.com/office/drawing/2008/diagram" xmlns:dgm="http://schemas.openxmlformats.org/drawingml/2006/diagram" xmlns:c="http://schemas.openxmlformats.org/drawingml/2006/chart" xmlns="">
       <p:transition/>
     </mc:Fallback>
   </mc:AlternateContent>
@@ -15332,7 +15336,7 @@
     <mc:Choice Requires="p14">
       <p:transition/>
     </mc:Choice>
-    <mc:Fallback xmlns="" xmlns:c="http://schemas.openxmlformats.org/drawingml/2006/chart" xmlns:dgm="http://schemas.openxmlformats.org/drawingml/2006/diagram" xmlns:dsp="http://schemas.microsoft.com/office/drawing/2008/diagram">
+    <mc:Fallback xmlns:dsp="http://schemas.microsoft.com/office/drawing/2008/diagram" xmlns:dgm="http://schemas.openxmlformats.org/drawingml/2006/diagram" xmlns:c="http://schemas.openxmlformats.org/drawingml/2006/chart" xmlns="">
       <p:transition/>
     </mc:Fallback>
   </mc:AlternateContent>
@@ -15435,7 +15439,7 @@
         </p:spPr>
         <p:txBody>
           <a:bodyPr>
-            <a:normAutofit/>
+            <a:normAutofit lnSpcReduction="10000"/>
           </a:bodyPr>
           <a:lstStyle/>
           <a:p>
@@ -15807,7 +15811,43 @@
                 </a:highlight>
                 <a:sym typeface="Wingdings" panose="05000000000000000000" pitchFamily="2" charset="2"/>
               </a:rPr>
-              <a:t>/</a:t>
+              <a:t>find/</a:t>
+            </a:r>
+            <a:r>
+              <a:rPr lang="ko-KR" altLang="en-US" sz="1600" dirty="0" smtClean="0">
+                <a:highlight>
+                  <a:srgbClr val="FFFF00"/>
+                </a:highlight>
+                <a:sym typeface="Wingdings" panose="05000000000000000000" pitchFamily="2" charset="2"/>
+              </a:rPr>
+              <a:t> </a:t>
+            </a:r>
+            <a:r>
+              <a:rPr lang="en-US" altLang="ko-KR" sz="1600" dirty="0">
+                <a:highlight>
+                  <a:srgbClr val="FFFF00"/>
+                </a:highlight>
+                <a:sym typeface="Wingdings" panose="05000000000000000000" pitchFamily="2" charset="2"/>
+              </a:rPr>
+              <a:t>-name “</a:t>
+            </a:r>
+            <a:r>
+              <a:rPr lang="en-US" altLang="ko-KR" sz="1600" dirty="0" err="1">
+                <a:highlight>
+                  <a:srgbClr val="FFFF00"/>
+                </a:highlight>
+                <a:sym typeface="Wingdings" panose="05000000000000000000" pitchFamily="2" charset="2"/>
+              </a:rPr>
+              <a:t>linux</a:t>
+            </a:r>
+            <a:r>
+              <a:rPr lang="en-US" altLang="ko-KR" sz="1600" dirty="0">
+                <a:highlight>
+                  <a:srgbClr val="FFFF00"/>
+                </a:highlight>
+                <a:sym typeface="Wingdings" panose="05000000000000000000" pitchFamily="2" charset="2"/>
+              </a:rPr>
+              <a:t>*” –type</a:t>
             </a:r>
             <a:r>
               <a:rPr lang="ko-KR" altLang="en-US" sz="1600" dirty="0">
@@ -15825,28 +15865,75 @@
                 </a:highlight>
                 <a:sym typeface="Wingdings" panose="05000000000000000000" pitchFamily="2" charset="2"/>
               </a:rPr>
-              <a:t>-name “</a:t>
+              <a:t>d</a:t>
+            </a:r>
+            <a:r>
+              <a:rPr lang="ko-KR" altLang="en-US" sz="1600" dirty="0">
+                <a:highlight>
+                  <a:srgbClr val="FFFF00"/>
+                </a:highlight>
+                <a:sym typeface="Wingdings" panose="05000000000000000000" pitchFamily="2" charset="2"/>
+              </a:rPr>
+              <a:t> </a:t>
+            </a:r>
+            <a:r>
+              <a:rPr lang="en-US" altLang="ko-KR" sz="1600" dirty="0">
+                <a:sym typeface="Wingdings" panose="05000000000000000000" pitchFamily="2" charset="2"/>
+              </a:rPr>
+              <a:t>(</a:t>
             </a:r>
             <a:r>
               <a:rPr lang="en-US" altLang="ko-KR" sz="1600" dirty="0" err="1">
-                <a:highlight>
-                  <a:srgbClr val="FFFF00"/>
-                </a:highlight>
                 <a:sym typeface="Wingdings" panose="05000000000000000000" pitchFamily="2" charset="2"/>
               </a:rPr>
               <a:t>linux</a:t>
             </a:r>
             <a:r>
               <a:rPr lang="en-US" altLang="ko-KR" sz="1600" dirty="0">
-                <a:highlight>
-                  <a:srgbClr val="FFFF00"/>
-                </a:highlight>
-                <a:sym typeface="Wingdings" panose="05000000000000000000" pitchFamily="2" charset="2"/>
-              </a:rPr>
-              <a:t>*” –type</a:t>
+                <a:sym typeface="Wingdings" panose="05000000000000000000" pitchFamily="2" charset="2"/>
+              </a:rPr>
+              <a:t> </a:t>
             </a:r>
             <a:r>
               <a:rPr lang="ko-KR" altLang="en-US" sz="1600" dirty="0">
+                <a:sym typeface="Wingdings" panose="05000000000000000000" pitchFamily="2" charset="2"/>
+              </a:rPr>
+              <a:t>이름으로 시작하는</a:t>
+            </a:r>
+            <a:r>
+              <a:rPr lang="en-US" altLang="ko-KR" sz="1600" dirty="0">
+                <a:sym typeface="Wingdings" panose="05000000000000000000" pitchFamily="2" charset="2"/>
+              </a:rPr>
+              <a:t>, </a:t>
+            </a:r>
+            <a:r>
+              <a:rPr lang="ko-KR" altLang="en-US" sz="1600" dirty="0">
+                <a:sym typeface="Wingdings" panose="05000000000000000000" pitchFamily="2" charset="2"/>
+              </a:rPr>
+              <a:t>폴더</a:t>
+            </a:r>
+            <a:r>
+              <a:rPr lang="en-US" altLang="ko-KR" sz="1600" dirty="0">
+                <a:sym typeface="Wingdings" panose="05000000000000000000" pitchFamily="2" charset="2"/>
+              </a:rPr>
+              <a:t>)</a:t>
+            </a:r>
+          </a:p>
+          <a:p>
+            <a:pPr lvl="1">
+              <a:defRPr/>
+            </a:pPr>
+            <a:r>
+              <a:rPr lang="en-US" altLang="ko-KR" sz="1600" dirty="0" err="1">
+                <a:highlight>
+                  <a:srgbClr val="FFFF00"/>
+                </a:highlight>
+                <a:sym typeface="Wingdings" panose="05000000000000000000" pitchFamily="2" charset="2"/>
+              </a:rPr>
+              <a:t>sudo</a:t>
+            </a:r>
+            <a:r>
+              <a:rPr lang="ko-KR" altLang="en-US" sz="1600" dirty="0">
                 <a:highlight>
                   <a:srgbClr val="FFFF00"/>
                 </a:highlight>
@@ -15861,93 +15948,10 @@
                 </a:highlight>
                 <a:sym typeface="Wingdings" panose="05000000000000000000" pitchFamily="2" charset="2"/>
               </a:rPr>
-              <a:t>d</a:t>
-            </a:r>
-            <a:r>
-              <a:rPr lang="ko-KR" altLang="en-US" sz="1600" dirty="0">
-                <a:highlight>
-                  <a:srgbClr val="FFFF00"/>
-                </a:highlight>
-                <a:sym typeface="Wingdings" panose="05000000000000000000" pitchFamily="2" charset="2"/>
-              </a:rPr>
-              <a:t> </a:t>
-            </a:r>
-            <a:r>
-              <a:rPr lang="en-US" altLang="ko-KR" sz="1600" dirty="0">
-                <a:sym typeface="Wingdings" panose="05000000000000000000" pitchFamily="2" charset="2"/>
-              </a:rPr>
-              <a:t>(</a:t>
-            </a:r>
-            <a:r>
-              <a:rPr lang="en-US" altLang="ko-KR" sz="1600" dirty="0" err="1">
-                <a:sym typeface="Wingdings" panose="05000000000000000000" pitchFamily="2" charset="2"/>
-              </a:rPr>
-              <a:t>linux</a:t>
-            </a:r>
-            <a:r>
-              <a:rPr lang="en-US" altLang="ko-KR" sz="1600" dirty="0">
-                <a:sym typeface="Wingdings" panose="05000000000000000000" pitchFamily="2" charset="2"/>
-              </a:rPr>
-              <a:t> </a:t>
-            </a:r>
-            <a:r>
-              <a:rPr lang="ko-KR" altLang="en-US" sz="1600" dirty="0">
-                <a:sym typeface="Wingdings" panose="05000000000000000000" pitchFamily="2" charset="2"/>
-              </a:rPr>
-              <a:t>이름으로 시작하는</a:t>
-            </a:r>
-            <a:r>
-              <a:rPr lang="en-US" altLang="ko-KR" sz="1600" dirty="0">
-                <a:sym typeface="Wingdings" panose="05000000000000000000" pitchFamily="2" charset="2"/>
-              </a:rPr>
-              <a:t>, </a:t>
-            </a:r>
-            <a:r>
-              <a:rPr lang="ko-KR" altLang="en-US" sz="1600" dirty="0">
-                <a:sym typeface="Wingdings" panose="05000000000000000000" pitchFamily="2" charset="2"/>
-              </a:rPr>
-              <a:t>폴더</a:t>
-            </a:r>
-            <a:r>
-              <a:rPr lang="en-US" altLang="ko-KR" sz="1600" dirty="0">
-                <a:sym typeface="Wingdings" panose="05000000000000000000" pitchFamily="2" charset="2"/>
-              </a:rPr>
-              <a:t>)</a:t>
-            </a:r>
-          </a:p>
-          <a:p>
-            <a:pPr lvl="1">
-              <a:defRPr/>
-            </a:pPr>
-            <a:r>
-              <a:rPr lang="en-US" altLang="ko-KR" sz="1600" dirty="0" err="1">
-                <a:highlight>
-                  <a:srgbClr val="FFFF00"/>
-                </a:highlight>
-                <a:sym typeface="Wingdings" panose="05000000000000000000" pitchFamily="2" charset="2"/>
-              </a:rPr>
-              <a:t>sudo</a:t>
-            </a:r>
-            <a:r>
-              <a:rPr lang="ko-KR" altLang="en-US" sz="1600" dirty="0">
-                <a:highlight>
-                  <a:srgbClr val="FFFF00"/>
-                </a:highlight>
-                <a:sym typeface="Wingdings" panose="05000000000000000000" pitchFamily="2" charset="2"/>
-              </a:rPr>
-              <a:t> </a:t>
-            </a:r>
-            <a:r>
-              <a:rPr lang="en-US" altLang="ko-KR" sz="1600" dirty="0">
-                <a:highlight>
-                  <a:srgbClr val="FFFF00"/>
-                </a:highlight>
-                <a:sym typeface="Wingdings" panose="05000000000000000000" pitchFamily="2" charset="2"/>
-              </a:rPr>
-              <a:t>/</a:t>
-            </a:r>
-            <a:r>
-              <a:rPr lang="ko-KR" altLang="en-US" sz="1600" dirty="0">
+              <a:t>find/</a:t>
+            </a:r>
+            <a:r>
+              <a:rPr lang="ko-KR" altLang="en-US" sz="1600" dirty="0" smtClean="0">
                 <a:highlight>
                   <a:srgbClr val="FFFF00"/>
                 </a:highlight>
@@ -16658,7 +16662,7 @@
     <mc:Choice Requires="p14">
       <p:transition/>
     </mc:Choice>
-    <mc:Fallback xmlns="" xmlns:c="http://schemas.openxmlformats.org/drawingml/2006/chart" xmlns:dgm="http://schemas.openxmlformats.org/drawingml/2006/diagram" xmlns:dsp="http://schemas.microsoft.com/office/drawing/2008/diagram">
+    <mc:Fallback xmlns:dsp="http://schemas.microsoft.com/office/drawing/2008/diagram" xmlns:dgm="http://schemas.openxmlformats.org/drawingml/2006/diagram" xmlns:c="http://schemas.openxmlformats.org/drawingml/2006/chart" xmlns="">
       <p:transition/>
     </mc:Fallback>
   </mc:AlternateContent>
@@ -17193,7 +17197,7 @@
     <mc:Choice Requires="p14">
       <p:transition/>
     </mc:Choice>
-    <mc:Fallback xmlns="" xmlns:c="http://schemas.openxmlformats.org/drawingml/2006/chart" xmlns:dgm="http://schemas.openxmlformats.org/drawingml/2006/diagram" xmlns:dsp="http://schemas.microsoft.com/office/drawing/2008/diagram">
+    <mc:Fallback xmlns:dsp="http://schemas.microsoft.com/office/drawing/2008/diagram" xmlns:dgm="http://schemas.openxmlformats.org/drawingml/2006/diagram" xmlns:c="http://schemas.openxmlformats.org/drawingml/2006/chart" xmlns="">
       <p:transition/>
     </mc:Fallback>
   </mc:AlternateContent>
@@ -17889,7 +17893,7 @@
     <mc:Choice Requires="p14">
       <p:transition/>
     </mc:Choice>
-    <mc:Fallback xmlns="" xmlns:c="http://schemas.openxmlformats.org/drawingml/2006/chart" xmlns:dgm="http://schemas.openxmlformats.org/drawingml/2006/diagram" xmlns:dsp="http://schemas.microsoft.com/office/drawing/2008/diagram">
+    <mc:Fallback xmlns:dsp="http://schemas.microsoft.com/office/drawing/2008/diagram" xmlns:dgm="http://schemas.openxmlformats.org/drawingml/2006/diagram" xmlns:c="http://schemas.openxmlformats.org/drawingml/2006/chart" xmlns="">
       <p:transition/>
     </mc:Fallback>
   </mc:AlternateContent>
@@ -18732,7 +18736,7 @@
     <mc:Choice Requires="p14">
       <p:transition/>
     </mc:Choice>
-    <mc:Fallback xmlns="" xmlns:c="http://schemas.openxmlformats.org/drawingml/2006/chart" xmlns:dgm="http://schemas.openxmlformats.org/drawingml/2006/diagram" xmlns:dsp="http://schemas.microsoft.com/office/drawing/2008/diagram">
+    <mc:Fallback xmlns:dsp="http://schemas.microsoft.com/office/drawing/2008/diagram" xmlns:dgm="http://schemas.openxmlformats.org/drawingml/2006/diagram" xmlns:c="http://schemas.openxmlformats.org/drawingml/2006/chart" xmlns="">
       <p:transition/>
     </mc:Fallback>
   </mc:AlternateContent>
@@ -19138,7 +19142,7 @@
     <mc:Choice Requires="p14">
       <p:transition/>
     </mc:Choice>
-    <mc:Fallback xmlns="" xmlns:c="http://schemas.openxmlformats.org/drawingml/2006/chart" xmlns:dgm="http://schemas.openxmlformats.org/drawingml/2006/diagram" xmlns:dsp="http://schemas.microsoft.com/office/drawing/2008/diagram">
+    <mc:Fallback xmlns:dsp="http://schemas.microsoft.com/office/drawing/2008/diagram" xmlns:dgm="http://schemas.openxmlformats.org/drawingml/2006/diagram" xmlns:c="http://schemas.openxmlformats.org/drawingml/2006/chart" xmlns="">
       <p:transition/>
     </mc:Fallback>
   </mc:AlternateContent>
@@ -19499,7 +19503,7 @@
     <mc:Choice Requires="p14">
       <p:transition/>
     </mc:Choice>
-    <mc:Fallback xmlns="" xmlns:c="http://schemas.openxmlformats.org/drawingml/2006/chart" xmlns:dgm="http://schemas.openxmlformats.org/drawingml/2006/diagram" xmlns:dsp="http://schemas.microsoft.com/office/drawing/2008/diagram">
+    <mc:Fallback xmlns:dsp="http://schemas.microsoft.com/office/drawing/2008/diagram" xmlns:dgm="http://schemas.openxmlformats.org/drawingml/2006/diagram" xmlns:c="http://schemas.openxmlformats.org/drawingml/2006/chart" xmlns="">
       <p:transition/>
     </mc:Fallback>
   </mc:AlternateContent>
@@ -19887,7 +19891,7 @@
     <mc:Choice Requires="p14">
       <p:transition/>
     </mc:Choice>
-    <mc:Fallback xmlns="" xmlns:c="http://schemas.openxmlformats.org/drawingml/2006/chart" xmlns:dgm="http://schemas.openxmlformats.org/drawingml/2006/diagram" xmlns:dsp="http://schemas.microsoft.com/office/drawing/2008/diagram">
+    <mc:Fallback xmlns:dsp="http://schemas.microsoft.com/office/drawing/2008/diagram" xmlns:dgm="http://schemas.openxmlformats.org/drawingml/2006/diagram" xmlns:c="http://schemas.openxmlformats.org/drawingml/2006/chart" xmlns="">
       <p:transition/>
     </mc:Fallback>
   </mc:AlternateContent>
@@ -20109,7 +20113,7 @@
     <mc:Choice Requires="p14">
       <p:transition/>
     </mc:Choice>
-    <mc:Fallback xmlns:dsp="http://schemas.microsoft.com/office/drawing/2008/diagram" xmlns:dgm="http://schemas.openxmlformats.org/drawingml/2006/diagram" xmlns:c="http://schemas.openxmlformats.org/drawingml/2006/chart" xmlns="">
+    <mc:Fallback xmlns="" xmlns:c="http://schemas.openxmlformats.org/drawingml/2006/chart" xmlns:dgm="http://schemas.openxmlformats.org/drawingml/2006/diagram" xmlns:dsp="http://schemas.microsoft.com/office/drawing/2008/diagram">
       <p:transition/>
     </mc:Fallback>
   </mc:AlternateContent>
@@ -20784,7 +20788,7 @@
     <mc:Choice Requires="p14">
       <p:transition/>
     </mc:Choice>
-    <mc:Fallback xmlns="" xmlns:c="http://schemas.openxmlformats.org/drawingml/2006/chart" xmlns:dgm="http://schemas.openxmlformats.org/drawingml/2006/diagram" xmlns:dsp="http://schemas.microsoft.com/office/drawing/2008/diagram">
+    <mc:Fallback xmlns:dsp="http://schemas.microsoft.com/office/drawing/2008/diagram" xmlns:dgm="http://schemas.openxmlformats.org/drawingml/2006/diagram" xmlns:c="http://schemas.openxmlformats.org/drawingml/2006/chart" xmlns="">
       <p:transition/>
     </mc:Fallback>
   </mc:AlternateContent>
@@ -21025,7 +21029,7 @@
     <mc:Choice Requires="p14">
       <p:transition/>
     </mc:Choice>
-    <mc:Fallback xmlns="" xmlns:c="http://schemas.openxmlformats.org/drawingml/2006/chart" xmlns:dgm="http://schemas.openxmlformats.org/drawingml/2006/diagram" xmlns:dsp="http://schemas.microsoft.com/office/drawing/2008/diagram">
+    <mc:Fallback xmlns:dsp="http://schemas.microsoft.com/office/drawing/2008/diagram" xmlns:dgm="http://schemas.openxmlformats.org/drawingml/2006/diagram" xmlns:c="http://schemas.openxmlformats.org/drawingml/2006/chart" xmlns="">
       <p:transition/>
     </mc:Fallback>
   </mc:AlternateContent>
@@ -21582,7 +21586,7 @@
     <mc:Choice Requires="p14">
       <p:transition/>
     </mc:Choice>
-    <mc:Fallback xmlns="" xmlns:c="http://schemas.openxmlformats.org/drawingml/2006/chart" xmlns:dgm="http://schemas.openxmlformats.org/drawingml/2006/diagram" xmlns:dsp="http://schemas.microsoft.com/office/drawing/2008/diagram">
+    <mc:Fallback xmlns:dsp="http://schemas.microsoft.com/office/drawing/2008/diagram" xmlns:dgm="http://schemas.openxmlformats.org/drawingml/2006/diagram" xmlns:c="http://schemas.openxmlformats.org/drawingml/2006/chart" xmlns="">
       <p:transition/>
     </mc:Fallback>
   </mc:AlternateContent>
@@ -22173,7 +22177,7 @@
     <mc:Choice Requires="p14">
       <p:transition/>
     </mc:Choice>
-    <mc:Fallback xmlns="" xmlns:c="http://schemas.openxmlformats.org/drawingml/2006/chart" xmlns:dgm="http://schemas.openxmlformats.org/drawingml/2006/diagram" xmlns:dsp="http://schemas.microsoft.com/office/drawing/2008/diagram">
+    <mc:Fallback xmlns:dsp="http://schemas.microsoft.com/office/drawing/2008/diagram" xmlns:dgm="http://schemas.openxmlformats.org/drawingml/2006/diagram" xmlns:c="http://schemas.openxmlformats.org/drawingml/2006/chart" xmlns="">
       <p:transition/>
     </mc:Fallback>
   </mc:AlternateContent>
@@ -22750,7 +22754,7 @@
     <mc:Choice Requires="p14">
       <p:transition/>
     </mc:Choice>
-    <mc:Fallback xmlns="" xmlns:c="http://schemas.openxmlformats.org/drawingml/2006/chart" xmlns:dgm="http://schemas.openxmlformats.org/drawingml/2006/diagram" xmlns:dsp="http://schemas.microsoft.com/office/drawing/2008/diagram">
+    <mc:Fallback xmlns:dsp="http://schemas.microsoft.com/office/drawing/2008/diagram" xmlns:dgm="http://schemas.openxmlformats.org/drawingml/2006/diagram" xmlns:c="http://schemas.openxmlformats.org/drawingml/2006/chart" xmlns="">
       <p:transition/>
     </mc:Fallback>
   </mc:AlternateContent>
@@ -23335,7 +23339,7 @@
     <mc:Choice Requires="p14">
       <p:transition/>
     </mc:Choice>
-    <mc:Fallback xmlns="" xmlns:c="http://schemas.openxmlformats.org/drawingml/2006/chart" xmlns:dgm="http://schemas.openxmlformats.org/drawingml/2006/diagram" xmlns:dsp="http://schemas.microsoft.com/office/drawing/2008/diagram">
+    <mc:Fallback xmlns:dsp="http://schemas.microsoft.com/office/drawing/2008/diagram" xmlns:dgm="http://schemas.openxmlformats.org/drawingml/2006/diagram" xmlns:c="http://schemas.openxmlformats.org/drawingml/2006/chart" xmlns="">
       <p:transition/>
     </mc:Fallback>
   </mc:AlternateContent>
